--- a/images/home.pptx
+++ b/images/home.pptx
@@ -104,6 +104,11 @@
       </a:defRPr>
     </a:lvl9pPr>
   </p:defaultTextStyle>
+  <p:extLst>
+    <p:ext uri="{EFAFB233-063F-42B5-8137-9DF3F51BA10A}">
+      <p15:sldGuideLst xmlns:p15="http://schemas.microsoft.com/office/powerpoint/2012/main"/>
+    </p:ext>
+  </p:extLst>
 </p:presentation>
 </file>
 
@@ -3342,6 +3347,93 @@
           <a:chExt cx="0" cy="0"/>
         </a:xfrm>
       </p:grpSpPr>
+      <p:pic>
+        <p:nvPicPr>
+          <p:cNvPr id="3" name="Picture 2">
+            <a:extLst>
+              <a:ext uri="{FF2B5EF4-FFF2-40B4-BE49-F238E27FC236}">
+                <a16:creationId xmlns:a16="http://schemas.microsoft.com/office/drawing/2014/main" id="{10B46A66-713F-11DB-C1A2-F9F2848AD18F}"/>
+              </a:ext>
+            </a:extLst>
+          </p:cNvPr>
+          <p:cNvPicPr>
+            <a:picLocks noChangeAspect="1"/>
+          </p:cNvPicPr>
+          <p:nvPr/>
+        </p:nvPicPr>
+        <p:blipFill>
+          <a:blip r:embed="rId2"/>
+          <a:stretch>
+            <a:fillRect/>
+          </a:stretch>
+        </p:blipFill>
+        <p:spPr>
+          <a:xfrm>
+            <a:off x="0" y="1846687"/>
+            <a:ext cx="12192000" cy="3164625"/>
+          </a:xfrm>
+          <a:prstGeom prst="rect">
+            <a:avLst/>
+          </a:prstGeom>
+        </p:spPr>
+      </p:pic>
+      <p:sp>
+        <p:nvSpPr>
+          <p:cNvPr id="4" name="TextBox 3">
+            <a:extLst>
+              <a:ext uri="{FF2B5EF4-FFF2-40B4-BE49-F238E27FC236}">
+                <a16:creationId xmlns:a16="http://schemas.microsoft.com/office/drawing/2014/main" id="{670A879F-4747-6419-0291-518A097B7CC2}"/>
+              </a:ext>
+            </a:extLst>
+          </p:cNvPr>
+          <p:cNvSpPr txBox="1"/>
+          <p:nvPr/>
+        </p:nvSpPr>
+        <p:spPr>
+          <a:xfrm>
+            <a:off x="1397877" y="2165131"/>
+            <a:ext cx="9007594" cy="1938992"/>
+          </a:xfrm>
+          <a:prstGeom prst="rect">
+            <a:avLst/>
+          </a:prstGeom>
+          <a:noFill/>
+        </p:spPr>
+        <p:txBody>
+          <a:bodyPr wrap="none" rtlCol="0">
+            <a:spAutoFit/>
+          </a:bodyPr>
+          <a:lstStyle/>
+          <a:p>
+            <a:r>
+              <a:rPr lang="en-US" sz="6000" dirty="0" err="1">
+                <a:solidFill>
+                  <a:schemeClr val="bg1"/>
+                </a:solidFill>
+              </a:rPr>
+              <a:t>NeurIPS</a:t>
+            </a:r>
+            <a:r>
+              <a:rPr lang="en-US" sz="6000" dirty="0">
+                <a:solidFill>
+                  <a:schemeClr val="bg1"/>
+                </a:solidFill>
+              </a:rPr>
+              <a:t> Workshop on </a:t>
+            </a:r>
+          </a:p>
+          <a:p>
+            <a:r>
+              <a:rPr lang="en-US" sz="6000" dirty="0">
+                <a:solidFill>
+                  <a:schemeClr val="bg1"/>
+                </a:solidFill>
+              </a:rPr>
+              <a:t>Human in the Loop Learning</a:t>
+            </a:r>
+          </a:p>
+        </p:txBody>
+      </p:sp>
     </p:spTree>
     <p:extLst>
       <p:ext uri="{BB962C8B-B14F-4D97-AF65-F5344CB8AC3E}">

--- a/images/home.pptx
+++ b/images/home.pptx
@@ -3362,7 +3362,19 @@
           <p:nvPr/>
         </p:nvPicPr>
         <p:blipFill>
-          <a:blip r:embed="rId2"/>
+          <a:blip r:embed="rId2">
+            <a:extLst>
+              <a:ext uri="{BEBA8EAE-BF5A-486C-A8C5-ECC9F3942E4B}">
+                <a14:imgProps xmlns:a14="http://schemas.microsoft.com/office/drawing/2010/main">
+                  <a14:imgLayer r:embed="rId3">
+                    <a14:imgEffect>
+                      <a14:brightnessContrast bright="35000"/>
+                    </a14:imgEffect>
+                  </a14:imgLayer>
+                </a14:imgProps>
+              </a:ext>
+            </a:extLst>
+          </a:blip>
           <a:stretch>
             <a:fillRect/>
           </a:stretch>
@@ -3391,7 +3403,7 @@
         </p:nvSpPr>
         <p:spPr>
           <a:xfrm>
-            <a:off x="1397877" y="2165131"/>
+            <a:off x="1502981" y="5644055"/>
             <a:ext cx="9007594" cy="1938992"/>
           </a:xfrm>
           <a:prstGeom prst="rect">
@@ -3434,6 +3446,42 @@
           </a:p>
         </p:txBody>
       </p:sp>
+      <p:pic>
+        <p:nvPicPr>
+          <p:cNvPr id="5" name="Graphic 4">
+            <a:extLst>
+              <a:ext uri="{FF2B5EF4-FFF2-40B4-BE49-F238E27FC236}">
+                <a16:creationId xmlns:a16="http://schemas.microsoft.com/office/drawing/2014/main" id="{9821399D-AE44-41A1-75EC-EE5751A05FFA}"/>
+              </a:ext>
+            </a:extLst>
+          </p:cNvPr>
+          <p:cNvPicPr>
+            <a:picLocks noChangeAspect="1"/>
+          </p:cNvPicPr>
+          <p:nvPr/>
+        </p:nvPicPr>
+        <p:blipFill>
+          <a:blip r:embed="rId4">
+            <a:extLst>
+              <a:ext uri="{96DAC541-7B7A-43D3-8B79-37D633B846F1}">
+                <asvg:svgBlip xmlns:asvg="http://schemas.microsoft.com/office/drawing/2016/SVG/main" r:embed="rId5"/>
+              </a:ext>
+            </a:extLst>
+          </a:blip>
+          <a:stretch>
+            <a:fillRect/>
+          </a:stretch>
+        </p:blipFill>
+        <p:spPr>
+          <a:xfrm>
+            <a:off x="-94823" y="1902292"/>
+            <a:ext cx="5129676" cy="2051870"/>
+          </a:xfrm>
+          <a:prstGeom prst="rect">
+            <a:avLst/>
+          </a:prstGeom>
+        </p:spPr>
+      </p:pic>
     </p:spTree>
     <p:extLst>
       <p:ext uri="{BB962C8B-B14F-4D97-AF65-F5344CB8AC3E}">

--- a/images/home.pptx
+++ b/images/home.pptx
@@ -261,7 +261,7 @@
           <a:p>
             <a:fld id="{FBD030FA-8BAC-1F41-9A25-5110C958C380}" type="datetimeFigureOut">
               <a:rPr lang="en-US" smtClean="0"/>
-              <a:t>7/7/22</a:t>
+              <a:t>7/8/22</a:t>
             </a:fld>
             <a:endParaRPr lang="en-US"/>
           </a:p>
@@ -461,7 +461,7 @@
           <a:p>
             <a:fld id="{FBD030FA-8BAC-1F41-9A25-5110C958C380}" type="datetimeFigureOut">
               <a:rPr lang="en-US" smtClean="0"/>
-              <a:t>7/7/22</a:t>
+              <a:t>7/8/22</a:t>
             </a:fld>
             <a:endParaRPr lang="en-US"/>
           </a:p>
@@ -671,7 +671,7 @@
           <a:p>
             <a:fld id="{FBD030FA-8BAC-1F41-9A25-5110C958C380}" type="datetimeFigureOut">
               <a:rPr lang="en-US" smtClean="0"/>
-              <a:t>7/7/22</a:t>
+              <a:t>7/8/22</a:t>
             </a:fld>
             <a:endParaRPr lang="en-US"/>
           </a:p>
@@ -871,7 +871,7 @@
           <a:p>
             <a:fld id="{FBD030FA-8BAC-1F41-9A25-5110C958C380}" type="datetimeFigureOut">
               <a:rPr lang="en-US" smtClean="0"/>
-              <a:t>7/7/22</a:t>
+              <a:t>7/8/22</a:t>
             </a:fld>
             <a:endParaRPr lang="en-US"/>
           </a:p>
@@ -1147,7 +1147,7 @@
           <a:p>
             <a:fld id="{FBD030FA-8BAC-1F41-9A25-5110C958C380}" type="datetimeFigureOut">
               <a:rPr lang="en-US" smtClean="0"/>
-              <a:t>7/7/22</a:t>
+              <a:t>7/8/22</a:t>
             </a:fld>
             <a:endParaRPr lang="en-US"/>
           </a:p>
@@ -1415,7 +1415,7 @@
           <a:p>
             <a:fld id="{FBD030FA-8BAC-1F41-9A25-5110C958C380}" type="datetimeFigureOut">
               <a:rPr lang="en-US" smtClean="0"/>
-              <a:t>7/7/22</a:t>
+              <a:t>7/8/22</a:t>
             </a:fld>
             <a:endParaRPr lang="en-US"/>
           </a:p>
@@ -1830,7 +1830,7 @@
           <a:p>
             <a:fld id="{FBD030FA-8BAC-1F41-9A25-5110C958C380}" type="datetimeFigureOut">
               <a:rPr lang="en-US" smtClean="0"/>
-              <a:t>7/7/22</a:t>
+              <a:t>7/8/22</a:t>
             </a:fld>
             <a:endParaRPr lang="en-US"/>
           </a:p>
@@ -1972,7 +1972,7 @@
           <a:p>
             <a:fld id="{FBD030FA-8BAC-1F41-9A25-5110C958C380}" type="datetimeFigureOut">
               <a:rPr lang="en-US" smtClean="0"/>
-              <a:t>7/7/22</a:t>
+              <a:t>7/8/22</a:t>
             </a:fld>
             <a:endParaRPr lang="en-US"/>
           </a:p>
@@ -2085,7 +2085,7 @@
           <a:p>
             <a:fld id="{FBD030FA-8BAC-1F41-9A25-5110C958C380}" type="datetimeFigureOut">
               <a:rPr lang="en-US" smtClean="0"/>
-              <a:t>7/7/22</a:t>
+              <a:t>7/8/22</a:t>
             </a:fld>
             <a:endParaRPr lang="en-US"/>
           </a:p>
@@ -2398,7 +2398,7 @@
           <a:p>
             <a:fld id="{FBD030FA-8BAC-1F41-9A25-5110C958C380}" type="datetimeFigureOut">
               <a:rPr lang="en-US" smtClean="0"/>
-              <a:t>7/7/22</a:t>
+              <a:t>7/8/22</a:t>
             </a:fld>
             <a:endParaRPr lang="en-US"/>
           </a:p>
@@ -2687,7 +2687,7 @@
           <a:p>
             <a:fld id="{FBD030FA-8BAC-1F41-9A25-5110C958C380}" type="datetimeFigureOut">
               <a:rPr lang="en-US" smtClean="0"/>
-              <a:t>7/7/22</a:t>
+              <a:t>7/8/22</a:t>
             </a:fld>
             <a:endParaRPr lang="en-US"/>
           </a:p>
@@ -2930,7 +2930,7 @@
           <a:p>
             <a:fld id="{FBD030FA-8BAC-1F41-9A25-5110C958C380}" type="datetimeFigureOut">
               <a:rPr lang="en-US" smtClean="0"/>
-              <a:t>7/7/22</a:t>
+              <a:t>7/8/22</a:t>
             </a:fld>
             <a:endParaRPr lang="en-US"/>
           </a:p>
@@ -3403,8 +3403,8 @@
         </p:nvSpPr>
         <p:spPr>
           <a:xfrm>
-            <a:off x="1502981" y="5644055"/>
-            <a:ext cx="9007594" cy="1938992"/>
+            <a:off x="8650016" y="1702676"/>
+            <a:ext cx="518091" cy="1015663"/>
           </a:xfrm>
           <a:prstGeom prst="rect">
             <a:avLst/>
@@ -3418,30 +3418,12 @@
           <a:lstStyle/>
           <a:p>
             <a:r>
-              <a:rPr lang="en-US" sz="6000" dirty="0" err="1">
-                <a:solidFill>
-                  <a:schemeClr val="bg1"/>
-                </a:solidFill>
-              </a:rPr>
-              <a:t>NeurIPS</a:t>
-            </a:r>
-            <a:r>
               <a:rPr lang="en-US" sz="6000" dirty="0">
                 <a:solidFill>
                   <a:schemeClr val="bg1"/>
                 </a:solidFill>
               </a:rPr>
-              <a:t> Workshop on </a:t>
-            </a:r>
-          </a:p>
-          <a:p>
-            <a:r>
-              <a:rPr lang="en-US" sz="6000" dirty="0">
-                <a:solidFill>
-                  <a:schemeClr val="bg1"/>
-                </a:solidFill>
-              </a:rPr>
-              <a:t>Human in the Loop Learning</a:t>
+              <a:t>x</a:t>
             </a:r>
           </a:p>
         </p:txBody>

--- a/images/home.pptx
+++ b/images/home.pptx
@@ -261,7 +261,7 @@
           <a:p>
             <a:fld id="{FBD030FA-8BAC-1F41-9A25-5110C958C380}" type="datetimeFigureOut">
               <a:rPr lang="en-US" smtClean="0"/>
-              <a:t>7/8/22</a:t>
+              <a:t>7/13/22</a:t>
             </a:fld>
             <a:endParaRPr lang="en-US"/>
           </a:p>
@@ -461,7 +461,7 @@
           <a:p>
             <a:fld id="{FBD030FA-8BAC-1F41-9A25-5110C958C380}" type="datetimeFigureOut">
               <a:rPr lang="en-US" smtClean="0"/>
-              <a:t>7/8/22</a:t>
+              <a:t>7/13/22</a:t>
             </a:fld>
             <a:endParaRPr lang="en-US"/>
           </a:p>
@@ -671,7 +671,7 @@
           <a:p>
             <a:fld id="{FBD030FA-8BAC-1F41-9A25-5110C958C380}" type="datetimeFigureOut">
               <a:rPr lang="en-US" smtClean="0"/>
-              <a:t>7/8/22</a:t>
+              <a:t>7/13/22</a:t>
             </a:fld>
             <a:endParaRPr lang="en-US"/>
           </a:p>
@@ -871,7 +871,7 @@
           <a:p>
             <a:fld id="{FBD030FA-8BAC-1F41-9A25-5110C958C380}" type="datetimeFigureOut">
               <a:rPr lang="en-US" smtClean="0"/>
-              <a:t>7/8/22</a:t>
+              <a:t>7/13/22</a:t>
             </a:fld>
             <a:endParaRPr lang="en-US"/>
           </a:p>
@@ -1147,7 +1147,7 @@
           <a:p>
             <a:fld id="{FBD030FA-8BAC-1F41-9A25-5110C958C380}" type="datetimeFigureOut">
               <a:rPr lang="en-US" smtClean="0"/>
-              <a:t>7/8/22</a:t>
+              <a:t>7/13/22</a:t>
             </a:fld>
             <a:endParaRPr lang="en-US"/>
           </a:p>
@@ -1415,7 +1415,7 @@
           <a:p>
             <a:fld id="{FBD030FA-8BAC-1F41-9A25-5110C958C380}" type="datetimeFigureOut">
               <a:rPr lang="en-US" smtClean="0"/>
-              <a:t>7/8/22</a:t>
+              <a:t>7/13/22</a:t>
             </a:fld>
             <a:endParaRPr lang="en-US"/>
           </a:p>
@@ -1830,7 +1830,7 @@
           <a:p>
             <a:fld id="{FBD030FA-8BAC-1F41-9A25-5110C958C380}" type="datetimeFigureOut">
               <a:rPr lang="en-US" smtClean="0"/>
-              <a:t>7/8/22</a:t>
+              <a:t>7/13/22</a:t>
             </a:fld>
             <a:endParaRPr lang="en-US"/>
           </a:p>
@@ -1972,7 +1972,7 @@
           <a:p>
             <a:fld id="{FBD030FA-8BAC-1F41-9A25-5110C958C380}" type="datetimeFigureOut">
               <a:rPr lang="en-US" smtClean="0"/>
-              <a:t>7/8/22</a:t>
+              <a:t>7/13/22</a:t>
             </a:fld>
             <a:endParaRPr lang="en-US"/>
           </a:p>
@@ -2085,7 +2085,7 @@
           <a:p>
             <a:fld id="{FBD030FA-8BAC-1F41-9A25-5110C958C380}" type="datetimeFigureOut">
               <a:rPr lang="en-US" smtClean="0"/>
-              <a:t>7/8/22</a:t>
+              <a:t>7/13/22</a:t>
             </a:fld>
             <a:endParaRPr lang="en-US"/>
           </a:p>
@@ -2398,7 +2398,7 @@
           <a:p>
             <a:fld id="{FBD030FA-8BAC-1F41-9A25-5110C958C380}" type="datetimeFigureOut">
               <a:rPr lang="en-US" smtClean="0"/>
-              <a:t>7/8/22</a:t>
+              <a:t>7/13/22</a:t>
             </a:fld>
             <a:endParaRPr lang="en-US"/>
           </a:p>
@@ -2687,7 +2687,7 @@
           <a:p>
             <a:fld id="{FBD030FA-8BAC-1F41-9A25-5110C958C380}" type="datetimeFigureOut">
               <a:rPr lang="en-US" smtClean="0"/>
-              <a:t>7/8/22</a:t>
+              <a:t>7/13/22</a:t>
             </a:fld>
             <a:endParaRPr lang="en-US"/>
           </a:p>
@@ -2930,7 +2930,7 @@
           <a:p>
             <a:fld id="{FBD030FA-8BAC-1F41-9A25-5110C958C380}" type="datetimeFigureOut">
               <a:rPr lang="en-US" smtClean="0"/>
-              <a:t>7/8/22</a:t>
+              <a:t>7/13/22</a:t>
             </a:fld>
             <a:endParaRPr lang="en-US"/>
           </a:p>
@@ -3333,6 +3333,50 @@
 <file path=ppt/slides/slide1.xml><?xml version="1.0" encoding="utf-8"?>
 <p:sld xmlns:a="http://schemas.openxmlformats.org/drawingml/2006/main" xmlns:r="http://schemas.openxmlformats.org/officeDocument/2006/relationships" xmlns:p="http://schemas.openxmlformats.org/presentationml/2006/main">
   <p:cSld>
+    <p:bg>
+      <p:bgPr>
+        <a:gradFill>
+          <a:gsLst>
+            <a:gs pos="16000">
+              <a:schemeClr val="accent1">
+                <a:lumMod val="5000"/>
+                <a:lumOff val="95000"/>
+                <a:alpha val="51000"/>
+              </a:schemeClr>
+            </a:gs>
+            <a:gs pos="34000">
+              <a:schemeClr val="accent1">
+                <a:lumMod val="5000"/>
+                <a:lumOff val="95000"/>
+                <a:alpha val="13000"/>
+              </a:schemeClr>
+            </a:gs>
+            <a:gs pos="53000">
+              <a:schemeClr val="accent1">
+                <a:lumMod val="5000"/>
+                <a:lumOff val="95000"/>
+                <a:alpha val="21523"/>
+              </a:schemeClr>
+            </a:gs>
+            <a:gs pos="74000">
+              <a:schemeClr val="bg1">
+                <a:alpha val="97195"/>
+              </a:schemeClr>
+            </a:gs>
+            <a:gs pos="87000">
+              <a:schemeClr val="bg1">
+                <a:alpha val="65000"/>
+              </a:schemeClr>
+            </a:gs>
+            <a:gs pos="100000">
+              <a:schemeClr val="bg1"/>
+            </a:gs>
+          </a:gsLst>
+          <a:lin ang="5400000" scaled="1"/>
+        </a:gradFill>
+        <a:effectLst/>
+      </p:bgPr>
+    </p:bg>
     <p:spTree>
       <p:nvGrpSpPr>
         <p:cNvPr id="1" name=""/>
@@ -3403,8 +3447,8 @@
         </p:nvSpPr>
         <p:spPr>
           <a:xfrm>
-            <a:off x="8650016" y="1702676"/>
-            <a:ext cx="518091" cy="1015663"/>
+            <a:off x="8303174" y="2928227"/>
+            <a:ext cx="3730958" cy="523220"/>
           </a:xfrm>
           <a:prstGeom prst="rect">
             <a:avLst/>
@@ -3418,12 +3462,12 @@
           <a:lstStyle/>
           <a:p>
             <a:r>
-              <a:rPr lang="en-US" sz="6000" dirty="0">
+              <a:rPr lang="en-US" sz="2800" dirty="0">
                 <a:solidFill>
                   <a:schemeClr val="bg1"/>
                 </a:solidFill>
               </a:rPr>
-              <a:t>x</a:t>
+              <a:t>2022, New Orleans, USA</a:t>
             </a:r>
           </a:p>
         </p:txBody>
@@ -3464,6 +3508,95 @@
           </a:prstGeom>
         </p:spPr>
       </p:pic>
+      <p:sp>
+        <p:nvSpPr>
+          <p:cNvPr id="33" name="Rectangle 32">
+            <a:extLst>
+              <a:ext uri="{FF2B5EF4-FFF2-40B4-BE49-F238E27FC236}">
+                <a16:creationId xmlns:a16="http://schemas.microsoft.com/office/drawing/2014/main" id="{2B15DBAD-9630-68D7-C51B-83613D206FD1}"/>
+              </a:ext>
+            </a:extLst>
+          </p:cNvPr>
+          <p:cNvSpPr/>
+          <p:nvPr/>
+        </p:nvSpPr>
+        <p:spPr>
+          <a:xfrm>
+            <a:off x="0" y="4200525"/>
+            <a:ext cx="12192000" cy="807724"/>
+          </a:xfrm>
+          <a:prstGeom prst="rect">
+            <a:avLst/>
+          </a:prstGeom>
+          <a:gradFill flip="none" rotWithShape="1">
+            <a:gsLst>
+              <a:gs pos="22000">
+                <a:schemeClr val="accent1">
+                  <a:lumMod val="5000"/>
+                  <a:lumOff val="95000"/>
+                  <a:alpha val="1773"/>
+                </a:schemeClr>
+              </a:gs>
+              <a:gs pos="46000">
+                <a:schemeClr val="accent1">
+                  <a:lumMod val="5000"/>
+                  <a:lumOff val="95000"/>
+                  <a:alpha val="36000"/>
+                </a:schemeClr>
+              </a:gs>
+              <a:gs pos="35000">
+                <a:schemeClr val="accent1">
+                  <a:lumMod val="5000"/>
+                  <a:lumOff val="95000"/>
+                  <a:alpha val="15148"/>
+                </a:schemeClr>
+              </a:gs>
+              <a:gs pos="65000">
+                <a:schemeClr val="bg1">
+                  <a:alpha val="63023"/>
+                </a:schemeClr>
+              </a:gs>
+              <a:gs pos="86000">
+                <a:schemeClr val="bg1">
+                  <a:alpha val="76090"/>
+                </a:schemeClr>
+              </a:gs>
+              <a:gs pos="100000">
+                <a:schemeClr val="bg1"/>
+              </a:gs>
+            </a:gsLst>
+            <a:lin ang="5400000" scaled="1"/>
+            <a:tileRect/>
+          </a:gradFill>
+          <a:ln>
+            <a:noFill/>
+          </a:ln>
+        </p:spPr>
+        <p:style>
+          <a:lnRef idx="2">
+            <a:schemeClr val="accent1">
+              <a:shade val="50000"/>
+            </a:schemeClr>
+          </a:lnRef>
+          <a:fillRef idx="1">
+            <a:schemeClr val="accent1"/>
+          </a:fillRef>
+          <a:effectRef idx="0">
+            <a:schemeClr val="accent1"/>
+          </a:effectRef>
+          <a:fontRef idx="minor">
+            <a:schemeClr val="lt1"/>
+          </a:fontRef>
+        </p:style>
+        <p:txBody>
+          <a:bodyPr rtlCol="0" anchor="ctr"/>
+          <a:lstStyle/>
+          <a:p>
+            <a:pPr algn="ctr"/>
+            <a:endParaRPr lang="en-US" dirty="0"/>
+          </a:p>
+        </p:txBody>
+      </p:sp>
     </p:spTree>
     <p:extLst>
       <p:ext uri="{BB962C8B-B14F-4D97-AF65-F5344CB8AC3E}">
